--- a/Week1_Proj.pptx
+++ b/Week1_Proj.pptx
@@ -5,19 +5,20 @@
     <p:sldMasterId id="2147483660" r:id="rId4"/>
   </p:sldMasterIdLst>
   <p:notesMasterIdLst>
-    <p:notesMasterId r:id="rId12"/>
+    <p:notesMasterId r:id="rId13"/>
   </p:notesMasterIdLst>
   <p:handoutMasterIdLst>
-    <p:handoutMasterId r:id="rId13"/>
+    <p:handoutMasterId r:id="rId14"/>
   </p:handoutMasterIdLst>
   <p:sldIdLst>
     <p:sldId id="278" r:id="rId5"/>
     <p:sldId id="279" r:id="rId6"/>
     <p:sldId id="281" r:id="rId7"/>
-    <p:sldId id="284" r:id="rId8"/>
-    <p:sldId id="282" r:id="rId9"/>
-    <p:sldId id="283" r:id="rId10"/>
-    <p:sldId id="285" r:id="rId11"/>
+    <p:sldId id="286" r:id="rId8"/>
+    <p:sldId id="284" r:id="rId9"/>
+    <p:sldId id="282" r:id="rId10"/>
+    <p:sldId id="283" r:id="rId11"/>
+    <p:sldId id="285" r:id="rId12"/>
   </p:sldIdLst>
   <p:sldSz cx="12192000" cy="6858000"/>
   <p:notesSz cx="6858000" cy="9144000"/>
@@ -215,7 +216,7 @@
                 <a:latin typeface="Microsoft YaHei UI" panose="020B0503020204020204" pitchFamily="34" charset="-122"/>
                 <a:ea typeface="Microsoft YaHei UI" panose="020B0503020204020204" pitchFamily="34" charset="-122"/>
               </a:rPr>
-              <a:t>2022/8/14</a:t>
+              <a:t>2022/8/15</a:t>
             </a:fld>
             <a:endParaRPr lang="zh-CN" altLang="en-US" dirty="0">
               <a:latin typeface="Microsoft YaHei UI" panose="020B0503020204020204" pitchFamily="34" charset="-122"/>
@@ -399,7 +400,7 @@
           <a:p>
             <a:fld id="{871C006B-CAD6-46A9-AE01-1DF9FF39EC39}" type="datetime1">
               <a:rPr lang="zh-CN" altLang="en-US" noProof="0" smtClean="0"/>
-              <a:t>2022/8/14</a:t>
+              <a:t>2022/8/15</a:t>
             </a:fld>
             <a:endParaRPr lang="zh-CN" altLang="en-US" noProof="0" dirty="0"/>
           </a:p>
@@ -1103,7 +1104,7 @@
             <a:pPr rtl="0"/>
             <a:fld id="{00E83E4F-657C-4D8E-8FAD-6386EF9B109D}" type="datetime1">
               <a:rPr lang="zh-CN" altLang="en-US" noProof="0" smtClean="0"/>
-              <a:t>2022/8/14</a:t>
+              <a:t>2022/8/15</a:t>
             </a:fld>
             <a:endParaRPr lang="zh-CN" altLang="en-US" noProof="0" dirty="0"/>
           </a:p>
@@ -1413,7 +1414,7 @@
             <a:pPr rtl="0"/>
             <a:fld id="{8B4F4464-7484-4713-B9FF-83FB9DDEA071}" type="datetime1">
               <a:rPr lang="zh-CN" altLang="en-US" noProof="0" smtClean="0"/>
-              <a:t>2022/8/14</a:t>
+              <a:t>2022/8/15</a:t>
             </a:fld>
             <a:endParaRPr lang="zh-CN" altLang="en-US" noProof="0" dirty="0"/>
           </a:p>
@@ -1611,7 +1612,7 @@
             <a:pPr rtl="0"/>
             <a:fld id="{B65233FB-47C5-42F7-A95A-B15B60A34B63}" type="datetime1">
               <a:rPr lang="zh-CN" altLang="en-US" noProof="0" smtClean="0"/>
-              <a:t>2022/8/14</a:t>
+              <a:t>2022/8/15</a:t>
             </a:fld>
             <a:endParaRPr lang="zh-CN" altLang="en-US" noProof="0" dirty="0"/>
           </a:p>
@@ -1893,7 +1894,7 @@
           <a:p>
             <a:fld id="{B59FB00C-3196-42EF-A93B-AD2E97DECBF9}" type="datetime1">
               <a:rPr lang="zh-CN" altLang="en-US" noProof="0" smtClean="0"/>
-              <a:t>2022/8/14</a:t>
+              <a:t>2022/8/15</a:t>
             </a:fld>
             <a:endParaRPr lang="zh-CN" altLang="en-US" noProof="0" dirty="0"/>
           </a:p>
@@ -2350,7 +2351,7 @@
             <a:pPr rtl="0"/>
             <a:fld id="{43E52F37-2347-469F-95CF-B07720175159}" type="datetime1">
               <a:rPr lang="zh-CN" altLang="en-US" noProof="0" smtClean="0"/>
-              <a:t>2022/8/14</a:t>
+              <a:t>2022/8/15</a:t>
             </a:fld>
             <a:endParaRPr lang="zh-CN" altLang="en-US" noProof="0" dirty="0"/>
           </a:p>
@@ -2891,7 +2892,7 @@
             <a:pPr rtl="0"/>
             <a:fld id="{2DB85421-0A4F-456C-AE8B-9D9FD1C29F96}" type="datetime1">
               <a:rPr lang="zh-CN" altLang="en-US" noProof="0" smtClean="0"/>
-              <a:t>2022/8/14</a:t>
+              <a:t>2022/8/15</a:t>
             </a:fld>
             <a:endParaRPr lang="zh-CN" altLang="en-US" noProof="0" dirty="0"/>
           </a:p>
@@ -3780,7 +3781,7 @@
             <a:pPr rtl="0"/>
             <a:fld id="{C4597710-2884-4518-8343-5210F0660D76}" type="datetime1">
               <a:rPr lang="zh-CN" altLang="en-US" noProof="0" smtClean="0"/>
-              <a:t>2022/8/14</a:t>
+              <a:t>2022/8/15</a:t>
             </a:fld>
             <a:endParaRPr lang="zh-CN" altLang="en-US" noProof="0" dirty="0"/>
           </a:p>
@@ -3954,7 +3955,7 @@
             <a:pPr rtl="0"/>
             <a:fld id="{F84CB63E-F307-418A-B628-A6B892AED4C7}" type="datetime1">
               <a:rPr lang="zh-CN" altLang="en-US" noProof="0" smtClean="0"/>
-              <a:t>2022/8/14</a:t>
+              <a:t>2022/8/15</a:t>
             </a:fld>
             <a:endParaRPr lang="zh-CN" altLang="en-US" noProof="0" dirty="0"/>
           </a:p>
@@ -4202,7 +4203,7 @@
             <a:pPr rtl="0"/>
             <a:fld id="{3614A190-44DA-4162-93F1-58A582F1E34D}" type="datetime1">
               <a:rPr lang="zh-CN" altLang="en-US" noProof="0" smtClean="0"/>
-              <a:t>2022/8/14</a:t>
+              <a:t>2022/8/15</a:t>
             </a:fld>
             <a:endParaRPr lang="zh-CN" altLang="en-US" noProof="0" dirty="0"/>
           </a:p>
@@ -4448,7 +4449,7 @@
             <a:pPr rtl="0"/>
             <a:fld id="{B8FAA926-9856-4E01-BF32-9864A6B340D7}" type="datetime1">
               <a:rPr lang="zh-CN" altLang="en-US" noProof="0" smtClean="0"/>
-              <a:t>2022/8/14</a:t>
+              <a:t>2022/8/15</a:t>
             </a:fld>
             <a:endParaRPr lang="zh-CN" altLang="en-US" noProof="0" dirty="0"/>
           </a:p>
@@ -4935,7 +4936,7 @@
             <a:pPr rtl="0"/>
             <a:fld id="{64A9A6D6-ED6C-4059-8881-246F48921CB9}" type="datetime1">
               <a:rPr lang="zh-CN" altLang="en-US" noProof="0" smtClean="0"/>
-              <a:t>2022/8/14</a:t>
+              <a:t>2022/8/15</a:t>
             </a:fld>
             <a:endParaRPr lang="zh-CN" altLang="en-US" noProof="0" dirty="0"/>
           </a:p>
@@ -5057,7 +5058,7 @@
             <a:pPr rtl="0"/>
             <a:fld id="{E882D6A9-C393-42BA-899D-980611436B38}" type="datetime1">
               <a:rPr lang="zh-CN" altLang="en-US" noProof="0" smtClean="0"/>
-              <a:t>2022/8/14</a:t>
+              <a:t>2022/8/15</a:t>
             </a:fld>
             <a:endParaRPr lang="zh-CN" altLang="en-US" noProof="0" dirty="0"/>
           </a:p>
@@ -5155,7 +5156,7 @@
             <a:pPr rtl="0"/>
             <a:fld id="{4D4E2F3C-F6FF-4123-83A2-52AD329828E8}" type="datetime1">
               <a:rPr lang="zh-CN" altLang="en-US" noProof="0" smtClean="0"/>
-              <a:t>2022/8/14</a:t>
+              <a:t>2022/8/15</a:t>
             </a:fld>
             <a:endParaRPr lang="zh-CN" altLang="en-US" noProof="0" dirty="0"/>
           </a:p>
@@ -5414,7 +5415,7 @@
             <a:pPr rtl="0"/>
             <a:fld id="{2B761EBF-EC3D-40AD-A2AF-0B83A9BC8761}" type="datetime1">
               <a:rPr lang="zh-CN" altLang="en-US" noProof="0" smtClean="0"/>
-              <a:t>2022/8/14</a:t>
+              <a:t>2022/8/15</a:t>
             </a:fld>
             <a:endParaRPr lang="zh-CN" altLang="en-US" noProof="0" dirty="0"/>
           </a:p>
@@ -5726,7 +5727,7 @@
             <a:pPr rtl="0"/>
             <a:fld id="{2490168C-97F9-485C-B61A-FB9CF372C0B8}" type="datetime1">
               <a:rPr lang="zh-CN" altLang="en-US" noProof="0" smtClean="0"/>
-              <a:t>2022/8/14</a:t>
+              <a:t>2022/8/15</a:t>
             </a:fld>
             <a:endParaRPr lang="zh-CN" altLang="en-US" noProof="0" dirty="0"/>
           </a:p>
@@ -5963,7 +5964,7 @@
           <a:p>
             <a:fld id="{2F66F3B4-29CF-4B27-AAED-5D9EF95DB219}" type="datetime1">
               <a:rPr lang="zh-CN" altLang="en-US" noProof="0" smtClean="0"/>
-              <a:t>2022/8/14</a:t>
+              <a:t>2022/8/15</a:t>
             </a:fld>
             <a:endParaRPr lang="zh-CN" altLang="en-US" noProof="0" dirty="0"/>
           </a:p>
@@ -6674,7 +6675,7 @@
                 <a16:creationId xmlns:a16="http://schemas.microsoft.com/office/drawing/2014/main" id="{F8A1C807-B9AD-4C9B-BF9F-60F03428998E}"/>
               </a:ext>
               <a:ext uri="{C183D7F6-B498-43B3-948B-1728B52AA6E4}">
-                <adec:decorative xmlns:adec="http://schemas.microsoft.com/office/drawing/2017/decorative" val="1"/>
+                <adec:decorative xmlns:adec="http://schemas.microsoft.com/office/drawing/2017/decorative" xmlns="" val="1"/>
               </a:ext>
             </a:extLst>
           </p:cNvPr>
@@ -6712,7 +6713,7 @@
                 <a16:creationId xmlns:a16="http://schemas.microsoft.com/office/drawing/2014/main" id="{FE469E50-3893-4ED6-92BA-2985C32B0CA6}"/>
               </a:ext>
               <a:ext uri="{C183D7F6-B498-43B3-948B-1728B52AA6E4}">
-                <adec:decorative xmlns:adec="http://schemas.microsoft.com/office/drawing/2017/decorative" val="1"/>
+                <adec:decorative xmlns:adec="http://schemas.microsoft.com/office/drawing/2017/decorative" xmlns="" val="1"/>
               </a:ext>
             </a:extLst>
           </p:cNvPr>
@@ -6886,7 +6887,7 @@
           </a:effectLst>
           <a:extLst>
             <a:ext uri="{91240B29-F687-4f45-9708-019B960494DF}">
-              <a14:hiddenLine xmlns:p14="http://schemas.microsoft.com/office/powerpoint/2010/main" xmlns:a16="http://schemas.microsoft.com/office/drawing/2014/main" xmlns:a14="http://schemas.microsoft.com/office/drawing/2010/main" xmlns="" w="9525">
+              <a14:hiddenLine xmlns="" xmlns:a14="http://schemas.microsoft.com/office/drawing/2010/main" xmlns:a16="http://schemas.microsoft.com/office/drawing/2014/main" xmlns:p14="http://schemas.microsoft.com/office/powerpoint/2010/main" w="9525">
                 <a:solidFill>
                   <a:srgbClr val="000000"/>
                 </a:solidFill>
@@ -7097,7 +7098,7 @@
                 <a16:creationId xmlns:a16="http://schemas.microsoft.com/office/drawing/2014/main" id="{0EF2A0DA-AE81-4A45-972E-646AC2870C2F}"/>
               </a:ext>
               <a:ext uri="{C183D7F6-B498-43B3-948B-1728B52AA6E4}">
-                <adec:decorative xmlns:adec="http://schemas.microsoft.com/office/drawing/2017/decorative" val="1"/>
+                <adec:decorative xmlns:adec="http://schemas.microsoft.com/office/drawing/2017/decorative" xmlns="" val="1"/>
               </a:ext>
             </a:extLst>
           </p:cNvPr>
@@ -7185,7 +7186,7 @@
                 <a16:creationId xmlns:a16="http://schemas.microsoft.com/office/drawing/2014/main" id="{72B2D6DE-C9B5-4678-91EF-77E85F2350DA}"/>
               </a:ext>
               <a:ext uri="{C183D7F6-B498-43B3-948B-1728B52AA6E4}">
-                <adec:decorative xmlns:adec="http://schemas.microsoft.com/office/drawing/2017/decorative" val="1"/>
+                <adec:decorative xmlns:adec="http://schemas.microsoft.com/office/drawing/2017/decorative" xmlns="" val="1"/>
               </a:ext>
             </a:extLst>
           </p:cNvPr>
@@ -7223,7 +7224,7 @@
                 <a16:creationId xmlns:a16="http://schemas.microsoft.com/office/drawing/2014/main" id="{B536FA4E-0152-4E27-91DA-0FC22D1846BB}"/>
               </a:ext>
               <a:ext uri="{C183D7F6-B498-43B3-948B-1728B52AA6E4}">
-                <adec:decorative xmlns:adec="http://schemas.microsoft.com/office/drawing/2017/decorative" val="1"/>
+                <adec:decorative xmlns:adec="http://schemas.microsoft.com/office/drawing/2017/decorative" xmlns="" val="1"/>
               </a:ext>
             </a:extLst>
           </p:cNvPr>
@@ -7520,6 +7521,85 @@
       </p:grpSpPr>
       <p:sp>
         <p:nvSpPr>
+          <p:cNvPr id="3" name="Content Placeholder 2"/>
+          <p:cNvSpPr>
+            <a:spLocks noGrp="1"/>
+          </p:cNvSpPr>
+          <p:nvPr>
+            <p:ph sz="half" idx="1"/>
+          </p:nvPr>
+        </p:nvSpPr>
+        <p:spPr/>
+        <p:txBody>
+          <a:bodyPr/>
+          <a:lstStyle/>
+          <a:p>
+            <a:r>
+              <a:rPr lang="en-US" altLang="zh-CN" dirty="0" smtClean="0"/>
+              <a:t>Pseudocode</a:t>
+            </a:r>
+            <a:endParaRPr lang="zh-CN" altLang="en-US" dirty="0"/>
+          </a:p>
+        </p:txBody>
+      </p:sp>
+      <p:pic>
+        <p:nvPicPr>
+          <p:cNvPr id="5" name="Content Placeholder 4"/>
+          <p:cNvPicPr>
+            <a:picLocks noGrp="1" noChangeAspect="1"/>
+          </p:cNvPicPr>
+          <p:nvPr>
+            <p:ph sz="half" idx="2"/>
+          </p:nvPr>
+        </p:nvPicPr>
+        <p:blipFill>
+          <a:blip r:embed="rId2"/>
+          <a:stretch>
+            <a:fillRect/>
+          </a:stretch>
+        </p:blipFill>
+        <p:spPr>
+          <a:xfrm>
+            <a:off x="6079785" y="609600"/>
+            <a:ext cx="4284110" cy="5089525"/>
+          </a:xfrm>
+          <a:prstGeom prst="rect">
+            <a:avLst/>
+          </a:prstGeom>
+        </p:spPr>
+      </p:pic>
+    </p:spTree>
+    <p:extLst>
+      <p:ext uri="{BB962C8B-B14F-4D97-AF65-F5344CB8AC3E}">
+        <p14:creationId xmlns:p14="http://schemas.microsoft.com/office/powerpoint/2010/main" val="1335856472"/>
+      </p:ext>
+    </p:extLst>
+  </p:cSld>
+  <p:clrMapOvr>
+    <a:masterClrMapping/>
+  </p:clrMapOvr>
+</p:sld>
+</file>
+
+<file path=ppt/slides/slide5.xml><?xml version="1.0" encoding="utf-8"?>
+<p:sld xmlns:a="http://schemas.openxmlformats.org/drawingml/2006/main" xmlns:r="http://schemas.openxmlformats.org/officeDocument/2006/relationships" xmlns:p="http://schemas.openxmlformats.org/presentationml/2006/main">
+  <p:cSld>
+    <p:spTree>
+      <p:nvGrpSpPr>
+        <p:cNvPr id="1" name=""/>
+        <p:cNvGrpSpPr/>
+        <p:nvPr/>
+      </p:nvGrpSpPr>
+      <p:grpSpPr>
+        <a:xfrm>
+          <a:off x="0" y="0"/>
+          <a:ext cx="0" cy="0"/>
+          <a:chOff x="0" y="0"/>
+          <a:chExt cx="0" cy="0"/>
+        </a:xfrm>
+      </p:grpSpPr>
+      <p:sp>
+        <p:nvSpPr>
           <p:cNvPr id="2" name="标题 1">
             <a:extLst>
               <a:ext uri="{FF2B5EF4-FFF2-40B4-BE49-F238E27FC236}">
@@ -7616,7 +7696,7 @@
 </p:sld>
 </file>
 
-<file path=ppt/slides/slide5.xml><?xml version="1.0" encoding="utf-8"?>
+<file path=ppt/slides/slide6.xml><?xml version="1.0" encoding="utf-8"?>
 <p:sld xmlns:a="http://schemas.openxmlformats.org/drawingml/2006/main" xmlns:r="http://schemas.openxmlformats.org/officeDocument/2006/relationships" xmlns:p="http://schemas.openxmlformats.org/presentationml/2006/main">
   <p:cSld>
     <p:spTree>
@@ -7709,7 +7789,7 @@
 </p:sld>
 </file>
 
-<file path=ppt/slides/slide6.xml><?xml version="1.0" encoding="utf-8"?>
+<file path=ppt/slides/slide7.xml><?xml version="1.0" encoding="utf-8"?>
 <p:sld xmlns:a="http://schemas.openxmlformats.org/drawingml/2006/main" xmlns:r="http://schemas.openxmlformats.org/officeDocument/2006/relationships" xmlns:p="http://schemas.openxmlformats.org/presentationml/2006/main">
   <p:cSld>
     <p:spTree>
@@ -7824,7 +7904,7 @@
 </p:sld>
 </file>
 
-<file path=ppt/slides/slide7.xml><?xml version="1.0" encoding="utf-8"?>
+<file path=ppt/slides/slide8.xml><?xml version="1.0" encoding="utf-8"?>
 <p:sld xmlns:a="http://schemas.openxmlformats.org/drawingml/2006/main" xmlns:r="http://schemas.openxmlformats.org/officeDocument/2006/relationships" xmlns:p="http://schemas.openxmlformats.org/presentationml/2006/main">
   <p:cSld>
     <p:spTree>
@@ -8737,12 +8817,12 @@
 </file>
 
 <file path=customXml/item1.xml><?xml version="1.0" encoding="utf-8"?>
-<p:properties xmlns:p="http://schemas.microsoft.com/office/2006/metadata/properties" xmlns:xsi="http://www.w3.org/2001/XMLSchema-instance" xmlns:pc="http://schemas.microsoft.com/office/infopath/2007/PartnerControls">
-  <documentManagement>
-    <Status xmlns="71af3243-3dd4-4a8d-8c0d-dd76da1f02a5">Not started</Status>
-    <MediaServiceKeyPoints xmlns="71af3243-3dd4-4a8d-8c0d-dd76da1f02a5" xsi:nil="true"/>
-  </documentManagement>
-</p:properties>
+<?mso-contentType ?>
+<FormTemplates xmlns="http://schemas.microsoft.com/sharepoint/v3/contenttype/forms">
+  <Display>DocumentLibraryForm</Display>
+  <Edit>DocumentLibraryForm</Edit>
+  <New>DocumentLibraryForm</New>
+</FormTemplates>
 </file>
 
 <file path=customXml/item2.xml><?xml version="1.0" encoding="utf-8"?>
@@ -8967,20 +9047,18 @@
 </file>
 
 <file path=customXml/item3.xml><?xml version="1.0" encoding="utf-8"?>
-<?mso-contentType ?>
-<FormTemplates xmlns="http://schemas.microsoft.com/sharepoint/v3/contenttype/forms">
-  <Display>DocumentLibraryForm</Display>
-  <Edit>DocumentLibraryForm</Edit>
-  <New>DocumentLibraryForm</New>
-</FormTemplates>
+<p:properties xmlns:p="http://schemas.microsoft.com/office/2006/metadata/properties" xmlns:xsi="http://www.w3.org/2001/XMLSchema-instance" xmlns:pc="http://schemas.microsoft.com/office/infopath/2007/PartnerControls">
+  <documentManagement>
+    <Status xmlns="71af3243-3dd4-4a8d-8c0d-dd76da1f02a5">Not started</Status>
+    <MediaServiceKeyPoints xmlns="71af3243-3dd4-4a8d-8c0d-dd76da1f02a5" xsi:nil="true"/>
+  </documentManagement>
+</p:properties>
 </file>
 
 <file path=customXml/itemProps1.xml><?xml version="1.0" encoding="utf-8"?>
-<ds:datastoreItem xmlns:ds="http://schemas.openxmlformats.org/officeDocument/2006/customXml" ds:itemID="{2C4C00F4-06E9-43E3-AD97-88A857CEFA82}">
+<ds:datastoreItem xmlns:ds="http://schemas.openxmlformats.org/officeDocument/2006/customXml" ds:itemID="{64B270AB-C138-415C-897E-3C24487DECF1}">
   <ds:schemaRefs>
-    <ds:schemaRef ds:uri="http://schemas.microsoft.com/office/2006/metadata/properties"/>
-    <ds:schemaRef ds:uri="http://schemas.microsoft.com/office/infopath/2007/PartnerControls"/>
-    <ds:schemaRef ds:uri="71af3243-3dd4-4a8d-8c0d-dd76da1f02a5"/>
+    <ds:schemaRef ds:uri="http://schemas.microsoft.com/sharepoint/v3/contenttype/forms"/>
   </ds:schemaRefs>
 </ds:datastoreItem>
 </file>
@@ -9005,9 +9083,18 @@
 </file>
 
 <file path=customXml/itemProps3.xml><?xml version="1.0" encoding="utf-8"?>
-<ds:datastoreItem xmlns:ds="http://schemas.openxmlformats.org/officeDocument/2006/customXml" ds:itemID="{64B270AB-C138-415C-897E-3C24487DECF1}">
+<ds:datastoreItem xmlns:ds="http://schemas.openxmlformats.org/officeDocument/2006/customXml" ds:itemID="{2C4C00F4-06E9-43E3-AD97-88A857CEFA82}">
   <ds:schemaRefs>
-    <ds:schemaRef ds:uri="http://schemas.microsoft.com/sharepoint/v3/contenttype/forms"/>
+    <ds:schemaRef ds:uri="16c05727-aa75-4e4a-9b5f-8a80a1165891"/>
+    <ds:schemaRef ds:uri="http://schemas.microsoft.com/office/2006/documentManagement/types"/>
+    <ds:schemaRef ds:uri="http://schemas.microsoft.com/office/2006/metadata/properties"/>
+    <ds:schemaRef ds:uri="http://www.w3.org/XML/1998/namespace"/>
+    <ds:schemaRef ds:uri="http://purl.org/dc/elements/1.1/"/>
+    <ds:schemaRef ds:uri="71af3243-3dd4-4a8d-8c0d-dd76da1f02a5"/>
+    <ds:schemaRef ds:uri="http://schemas.microsoft.com/office/infopath/2007/PartnerControls"/>
+    <ds:schemaRef ds:uri="http://schemas.openxmlformats.org/package/2006/metadata/core-properties"/>
+    <ds:schemaRef ds:uri="http://purl.org/dc/dcmitype/"/>
+    <ds:schemaRef ds:uri="http://purl.org/dc/terms/"/>
   </ds:schemaRefs>
 </ds:datastoreItem>
 </file>